--- a/Big_Data_Analytics/3. R programming/R programming.pptx
+++ b/Big_Data_Analytics/3. R programming/R programming.pptx
@@ -352,7 +352,7 @@
             <a:fld id="{70085B47-0263-4B1F-B8E8-5DA3FDF85071}" type="datetimeFigureOut">
               <a:rPr lang="zh-TW" altLang="en-US" smtClean="0"/>
               <a:pPr/>
-              <a:t>2022/3/3</a:t>
+              <a:t>2022/3/10</a:t>
             </a:fld>
             <a:endParaRPr lang="zh-TW" altLang="en-US"/>
           </a:p>
@@ -874,7 +874,7 @@
             <a:fld id="{C9B52766-788F-403B-87E6-1323DEFB5E4F}" type="datetime1">
               <a:rPr lang="zh-TW" altLang="en-US" smtClean="0"/>
               <a:pPr/>
-              <a:t>2022/3/3</a:t>
+              <a:t>2022/3/10</a:t>
             </a:fld>
             <a:endParaRPr lang="zh-TW" altLang="en-US"/>
           </a:p>
@@ -1052,7 +1052,7 @@
             <a:fld id="{A89EA5DD-0428-4725-87D3-552D0DC91C08}" type="datetime1">
               <a:rPr lang="zh-TW" altLang="en-US" smtClean="0"/>
               <a:pPr/>
-              <a:t>2022/3/3</a:t>
+              <a:t>2022/3/10</a:t>
             </a:fld>
             <a:endParaRPr lang="zh-TW" altLang="en-US"/>
           </a:p>
@@ -1178,7 +1178,7 @@
             <a:fld id="{3B56FE43-EEDA-416B-B353-0DF85B39E019}" type="datetime1">
               <a:rPr lang="zh-TW" altLang="en-US" smtClean="0"/>
               <a:pPr/>
-              <a:t>2022/3/3</a:t>
+              <a:t>2022/3/10</a:t>
             </a:fld>
             <a:endParaRPr lang="zh-TW" altLang="en-US"/>
           </a:p>
@@ -1270,7 +1270,7 @@
             <a:fld id="{3B629917-78C9-4B70-A240-36F16E478EE1}" type="datetime1">
               <a:rPr lang="zh-TW" altLang="en-US" smtClean="0"/>
               <a:pPr/>
-              <a:t>2022/3/3</a:t>
+              <a:t>2022/3/10</a:t>
             </a:fld>
             <a:endParaRPr lang="zh-TW" altLang="en-US"/>
           </a:p>
@@ -1510,7 +1510,7 @@
             <a:fld id="{8762DDD9-1336-483C-B491-A82277BE624F}" type="datetime1">
               <a:rPr lang="zh-TW" altLang="en-US" smtClean="0"/>
               <a:pPr/>
-              <a:t>2022/3/3</a:t>
+              <a:t>2022/3/10</a:t>
             </a:fld>
             <a:endParaRPr lang="zh-TW" altLang="en-US"/>
           </a:p>
@@ -1688,7 +1688,7 @@
             <a:fld id="{253A4A48-1F4F-419B-85EE-C14D7BCA4CAF}" type="datetime1">
               <a:rPr lang="zh-TW" altLang="en-US" smtClean="0"/>
               <a:pPr/>
-              <a:t>2022/3/3</a:t>
+              <a:t>2022/3/10</a:t>
             </a:fld>
             <a:endParaRPr lang="zh-TW" altLang="en-US"/>
           </a:p>
@@ -1928,7 +1928,7 @@
             <a:fld id="{76A5F462-7D27-4398-992F-895238FD48D5}" type="datetime1">
               <a:rPr lang="zh-TW" altLang="en-US" smtClean="0"/>
               <a:pPr/>
-              <a:t>2022/3/3</a:t>
+              <a:t>2022/3/10</a:t>
             </a:fld>
             <a:endParaRPr lang="zh-TW" altLang="en-US"/>
           </a:p>
@@ -2199,7 +2199,7 @@
             <a:fld id="{2CFB2C75-8C06-4C11-8FF9-CD43FC9F2633}" type="datetime1">
               <a:rPr lang="zh-TW" altLang="en-US" smtClean="0"/>
               <a:pPr/>
-              <a:t>2022/3/3</a:t>
+              <a:t>2022/3/10</a:t>
             </a:fld>
             <a:endParaRPr lang="zh-TW" altLang="en-US"/>
           </a:p>
@@ -22460,11 +22460,7 @@
             </a:r>
             <a:r>
               <a:rPr lang="en-US" altLang="zh-TW" dirty="0" smtClean="0"/>
-              <a:t>arguments, </a:t>
-            </a:r>
-            <a:r>
-              <a:rPr lang="en-US" altLang="zh-TW" dirty="0" smtClean="0"/>
-              <a:t>option </a:t>
+              <a:t>arguments, option </a:t>
             </a:r>
             <a:r>
               <a:rPr lang="en-US" altLang="zh-TW" dirty="0"/>
@@ -25541,7 +25537,7 @@
           <a:graphicData uri="http://schemas.openxmlformats.org/presentationml/2006/ole">
             <mc:AlternateContent xmlns:mc="http://schemas.openxmlformats.org/markup-compatibility/2006">
               <mc:Choice xmlns:v="urn:schemas-microsoft-com:vml" Requires="v">
-                <p:oleObj spid="_x0000_s13617" name="Equation" r:id="rId3" imgW="482400" imgH="799920" progId="Equation.DSMT4">
+                <p:oleObj spid="_x0000_s13623" name="Equation" r:id="rId3" imgW="482400" imgH="799920" progId="Equation.DSMT4">
                   <p:embed/>
                 </p:oleObj>
               </mc:Choice>
@@ -25634,7 +25630,7 @@
           <a:graphicData uri="http://schemas.openxmlformats.org/presentationml/2006/ole">
             <mc:AlternateContent xmlns:mc="http://schemas.openxmlformats.org/markup-compatibility/2006">
               <mc:Choice xmlns:v="urn:schemas-microsoft-com:vml" Requires="v">
-                <p:oleObj spid="_x0000_s13618" name="Equation" r:id="rId5" imgW="279360" imgH="203040" progId="Equation.DSMT4">
+                <p:oleObj spid="_x0000_s13624" name="Equation" r:id="rId5" imgW="279360" imgH="203040" progId="Equation.DSMT4">
                   <p:embed/>
                 </p:oleObj>
               </mc:Choice>
@@ -25727,7 +25723,7 @@
           <a:graphicData uri="http://schemas.openxmlformats.org/presentationml/2006/ole">
             <mc:AlternateContent xmlns:mc="http://schemas.openxmlformats.org/markup-compatibility/2006">
               <mc:Choice xmlns:v="urn:schemas-microsoft-com:vml" Requires="v">
-                <p:oleObj spid="_x0000_s13619" name="Equation" r:id="rId7" imgW="406080" imgH="203040" progId="Equation.DSMT4">
+                <p:oleObj spid="_x0000_s13625" name="Equation" r:id="rId7" imgW="406080" imgH="203040" progId="Equation.DSMT4">
                   <p:embed/>
                 </p:oleObj>
               </mc:Choice>
@@ -28003,21 +27999,8 @@
             <a:pPr lvl="2"/>
             <a:r>
               <a:rPr lang="en-US" altLang="zh-TW" dirty="0" smtClean="0"/>
-              <a:t>-</a:t>
-            </a:r>
-            <a:r>
-              <a:rPr lang="en-US" altLang="zh-TW" dirty="0" smtClean="0"/>
-              <a:t>2^109 </a:t>
-            </a:r>
-            <a:r>
-              <a:rPr lang="en-US" altLang="zh-TW" dirty="0" smtClean="0"/>
-              <a:t>~ </a:t>
-            </a:r>
-            <a:r>
-              <a:rPr lang="en-US" altLang="zh-TW" dirty="0" smtClean="0"/>
-              <a:t>2^109</a:t>
-            </a:r>
-            <a:endParaRPr lang="en-US" altLang="zh-TW" dirty="0" smtClean="0"/>
+              <a:t>-2^109 ~ 2^109</a:t>
+            </a:r>
           </a:p>
           <a:p>
             <a:pPr lvl="2"/>
@@ -31455,11 +31438,7 @@
             <a:pPr lvl="1"/>
             <a:r>
               <a:rPr lang="en-US" altLang="zh-TW" dirty="0" smtClean="0"/>
-              <a:t>Final score = 0.3 * HW + 0.3 * Midterm + 0.4 * final </a:t>
-            </a:r>
-            <a:r>
-              <a:rPr lang="en-US" altLang="zh-TW" dirty="0" smtClean="0"/>
-              <a:t>exam</a:t>
+              <a:t>Final score = 0.3 * HW + 0.3 * Midterm + 0.4 * final exam</a:t>
             </a:r>
           </a:p>
           <a:p>
@@ -36709,7 +36688,27 @@
                 <a:latin typeface="Courier New" panose="02070309020205020404" pitchFamily="49" charset="0"/>
                 <a:cs typeface="Courier New" panose="02070309020205020404" pitchFamily="49" charset="0"/>
               </a:rPr>
-              <a:t>&gt; apply (iris[1:4],2,mean)</a:t>
+              <a:t>&gt; </a:t>
+            </a:r>
+            <a:r>
+              <a:rPr lang="zh-TW" altLang="en-US" dirty="0" smtClean="0">
+                <a:solidFill>
+                  <a:srgbClr val="FF0000"/>
+                </a:solidFill>
+                <a:latin typeface="Courier New" panose="02070309020205020404" pitchFamily="49" charset="0"/>
+                <a:cs typeface="Courier New" panose="02070309020205020404" pitchFamily="49" charset="0"/>
+              </a:rPr>
+              <a:t>apply(iris</a:t>
+            </a:r>
+            <a:r>
+              <a:rPr lang="zh-TW" altLang="en-US" dirty="0">
+                <a:solidFill>
+                  <a:srgbClr val="FF0000"/>
+                </a:solidFill>
+                <a:latin typeface="Courier New" panose="02070309020205020404" pitchFamily="49" charset="0"/>
+                <a:cs typeface="Courier New" panose="02070309020205020404" pitchFamily="49" charset="0"/>
+              </a:rPr>
+              <a:t>[1:4],2,mean)</a:t>
             </a:r>
           </a:p>
           <a:p>
